--- a/malloclab/final.pptx
+++ b/malloclab/final.pptx
@@ -5,7 +5,7 @@
     <p:sldMasterId id="2147483648" r:id="rId1"/>
   </p:sldMasterIdLst>
   <p:notesMasterIdLst>
-    <p:notesMasterId r:id="rId14"/>
+    <p:notesMasterId r:id="rId18"/>
   </p:notesMasterIdLst>
   <p:sldIdLst>
     <p:sldId id="256" r:id="rId2"/>
@@ -19,7 +19,11 @@
     <p:sldId id="261" r:id="rId10"/>
     <p:sldId id="265" r:id="rId11"/>
     <p:sldId id="266" r:id="rId12"/>
-    <p:sldId id="267" r:id="rId13"/>
+    <p:sldId id="269" r:id="rId13"/>
+    <p:sldId id="268" r:id="rId14"/>
+    <p:sldId id="270" r:id="rId15"/>
+    <p:sldId id="271" r:id="rId16"/>
+    <p:sldId id="267" r:id="rId17"/>
   </p:sldIdLst>
   <p:sldSz cx="12192000" cy="6858000"/>
   <p:notesSz cx="6858000" cy="9144000"/>
@@ -118,6 +122,11 @@
       </a:defRPr>
     </a:lvl9pPr>
   </p:defaultTextStyle>
+  <p:extLst>
+    <p:ext uri="{EFAFB233-063F-42B5-8137-9DF3F51BA10A}">
+      <p15:sldGuideLst xmlns:p15="http://schemas.microsoft.com/office/powerpoint/2012/main"/>
+    </p:ext>
+  </p:extLst>
 </p:presentation>
 </file>
 
@@ -4028,16 +4037,19 @@
           <a:p>
             <a:r>
               <a:rPr kumimoji="1" lang="en-US" altLang="zh-CN" dirty="0"/>
-              <a:t>BST</a:t>
-            </a:r>
+              <a:t>Split</a:t>
+            </a:r>
+            <a:r>
+              <a:rPr kumimoji="1" lang="zh-CN" altLang="en-US" dirty="0"/>
+              <a:t> 时选择块</a:t>
+            </a:r>
+            <a:endParaRPr kumimoji="1" lang="en-US" altLang="zh-CN" dirty="0"/>
           </a:p>
           <a:p>
             <a:r>
               <a:rPr kumimoji="1" lang="en-US" altLang="zh-CN" dirty="0"/>
-              <a:t>…</a:t>
-            </a:r>
-          </a:p>
-          <a:p>
+              <a:t>Others</a:t>
+            </a:r>
             <a:endParaRPr kumimoji="1" lang="zh-CN" altLang="en-US" dirty="0"/>
           </a:p>
         </p:txBody>
@@ -4077,6 +4089,608 @@
           <p:cNvPr id="2" name="标题 1">
             <a:extLst>
               <a:ext uri="{FF2B5EF4-FFF2-40B4-BE49-F238E27FC236}">
+                <a16:creationId xmlns:a16="http://schemas.microsoft.com/office/drawing/2014/main" id="{2DF389F2-DCFF-B941-BF7F-593E461319A2}"/>
+              </a:ext>
+            </a:extLst>
+          </p:cNvPr>
+          <p:cNvSpPr>
+            <a:spLocks noGrp="1"/>
+          </p:cNvSpPr>
+          <p:nvPr>
+            <p:ph type="title"/>
+          </p:nvPr>
+        </p:nvSpPr>
+        <p:spPr/>
+        <p:txBody>
+          <a:bodyPr/>
+          <a:lstStyle/>
+          <a:p>
+            <a:r>
+              <a:rPr kumimoji="1" lang="zh-CN" altLang="en-US" dirty="0"/>
+              <a:t>去脚部</a:t>
+            </a:r>
+          </a:p>
+        </p:txBody>
+      </p:sp>
+      <p:sp>
+        <p:nvSpPr>
+          <p:cNvPr id="3" name="内容占位符 2">
+            <a:extLst>
+              <a:ext uri="{FF2B5EF4-FFF2-40B4-BE49-F238E27FC236}">
+                <a16:creationId xmlns:a16="http://schemas.microsoft.com/office/drawing/2014/main" id="{0AB1EC97-BEBC-104A-A8A4-F1F2E0FD7520}"/>
+              </a:ext>
+            </a:extLst>
+          </p:cNvPr>
+          <p:cNvSpPr>
+            <a:spLocks noGrp="1"/>
+          </p:cNvSpPr>
+          <p:nvPr>
+            <p:ph idx="1"/>
+          </p:nvPr>
+        </p:nvSpPr>
+        <p:spPr/>
+        <p:txBody>
+          <a:bodyPr/>
+          <a:lstStyle/>
+          <a:p>
+            <a:r>
+              <a:rPr lang="zh-CN" altLang="en-US" sz="2800" dirty="0">
+                <a:latin typeface="+mn-ea"/>
+                <a:ea typeface="+mn-ea"/>
+              </a:rPr>
+              <a:t>已分配块不需要脚部，因此在分配时可以多出</a:t>
+            </a:r>
+            <a:r>
+              <a:rPr lang="en-US" altLang="zh-CN" sz="2800" dirty="0">
+                <a:latin typeface="+mn-ea"/>
+                <a:ea typeface="+mn-ea"/>
+              </a:rPr>
+              <a:t>4</a:t>
+            </a:r>
+            <a:r>
+              <a:rPr lang="zh-CN" altLang="en-US" sz="2800" dirty="0">
+                <a:latin typeface="+mn-ea"/>
+                <a:ea typeface="+mn-ea"/>
+              </a:rPr>
+              <a:t>个字节有效载荷，节省空间</a:t>
+            </a:r>
+            <a:endParaRPr lang="en-US" altLang="zh-CN" sz="2800" dirty="0">
+              <a:latin typeface="+mn-ea"/>
+              <a:ea typeface="+mn-ea"/>
+            </a:endParaRPr>
+          </a:p>
+          <a:p>
+            <a:r>
+              <a:rPr lang="zh-CN" altLang="en-US" sz="2800" dirty="0">
+                <a:latin typeface="+mn-ea"/>
+                <a:ea typeface="+mn-ea"/>
+              </a:rPr>
+              <a:t>用头部第二位存放</a:t>
+            </a:r>
+            <a:r>
+              <a:rPr lang="en-US" altLang="zh-CN" sz="2800" dirty="0" err="1">
+                <a:latin typeface="Consolas" panose="020B0609020204030204" pitchFamily="49" charset="0"/>
+                <a:cs typeface="Consolas" panose="020B0609020204030204" pitchFamily="49" charset="0"/>
+              </a:rPr>
+              <a:t>prev</a:t>
+            </a:r>
+            <a:r>
+              <a:rPr lang="zh-CN" altLang="en-US" sz="2800" dirty="0">
+                <a:latin typeface="+mn-ea"/>
+                <a:ea typeface="+mn-ea"/>
+              </a:rPr>
+              <a:t>块是否空闲的状态（第一位存放自己的空闲状态）</a:t>
+            </a:r>
+            <a:endParaRPr kumimoji="1" lang="zh-CN" altLang="en-US" dirty="0"/>
+          </a:p>
+        </p:txBody>
+      </p:sp>
+      <p:pic>
+        <p:nvPicPr>
+          <p:cNvPr id="4" name="图片 3">
+            <a:extLst>
+              <a:ext uri="{FF2B5EF4-FFF2-40B4-BE49-F238E27FC236}">
+                <a16:creationId xmlns:a16="http://schemas.microsoft.com/office/drawing/2014/main" id="{E584BF07-9CB3-884C-8928-9C7B1AD4D5AF}"/>
+              </a:ext>
+            </a:extLst>
+          </p:cNvPr>
+          <p:cNvPicPr>
+            <a:picLocks noChangeAspect="1"/>
+          </p:cNvPicPr>
+          <p:nvPr/>
+        </p:nvPicPr>
+        <p:blipFill>
+          <a:blip r:embed="rId2">
+            <a:extLst>
+              <a:ext uri="{28A0092B-C50C-407E-A947-70E740481C1C}">
+                <a14:useLocalDpi xmlns:a14="http://schemas.microsoft.com/office/drawing/2010/main" val="0"/>
+              </a:ext>
+            </a:extLst>
+          </a:blip>
+          <a:stretch>
+            <a:fillRect/>
+          </a:stretch>
+        </p:blipFill>
+        <p:spPr>
+          <a:xfrm>
+            <a:off x="1408703" y="4001294"/>
+            <a:ext cx="9020884" cy="1684783"/>
+          </a:xfrm>
+          <a:prstGeom prst="rect">
+            <a:avLst/>
+          </a:prstGeom>
+        </p:spPr>
+      </p:pic>
+    </p:spTree>
+    <p:extLst>
+      <p:ext uri="{BB962C8B-B14F-4D97-AF65-F5344CB8AC3E}">
+        <p14:creationId xmlns:p14="http://schemas.microsoft.com/office/powerpoint/2010/main" val="1043606312"/>
+      </p:ext>
+    </p:extLst>
+  </p:cSld>
+  <p:clrMapOvr>
+    <a:masterClrMapping/>
+  </p:clrMapOvr>
+</p:sld>
+</file>
+
+<file path=ppt/slides/slide13.xml><?xml version="1.0" encoding="utf-8"?>
+<p:sld xmlns:a="http://schemas.openxmlformats.org/drawingml/2006/main" xmlns:r="http://schemas.openxmlformats.org/officeDocument/2006/relationships" xmlns:p="http://schemas.openxmlformats.org/presentationml/2006/main">
+  <p:cSld>
+    <p:spTree>
+      <p:nvGrpSpPr>
+        <p:cNvPr id="1" name=""/>
+        <p:cNvGrpSpPr/>
+        <p:nvPr/>
+      </p:nvGrpSpPr>
+      <p:grpSpPr>
+        <a:xfrm>
+          <a:off x="0" y="0"/>
+          <a:ext cx="0" cy="0"/>
+          <a:chOff x="0" y="0"/>
+          <a:chExt cx="0" cy="0"/>
+        </a:xfrm>
+      </p:grpSpPr>
+      <p:sp>
+        <p:nvSpPr>
+          <p:cNvPr id="2" name="标题 1">
+            <a:extLst>
+              <a:ext uri="{FF2B5EF4-FFF2-40B4-BE49-F238E27FC236}">
+                <a16:creationId xmlns:a16="http://schemas.microsoft.com/office/drawing/2014/main" id="{C7A07247-FDEB-7843-A618-D3860913FD0C}"/>
+              </a:ext>
+            </a:extLst>
+          </p:cNvPr>
+          <p:cNvSpPr>
+            <a:spLocks noGrp="1"/>
+          </p:cNvSpPr>
+          <p:nvPr>
+            <p:ph type="title"/>
+          </p:nvPr>
+        </p:nvSpPr>
+        <p:spPr/>
+        <p:txBody>
+          <a:bodyPr/>
+          <a:lstStyle/>
+          <a:p>
+            <a:r>
+              <a:rPr kumimoji="1" lang="en-US" altLang="zh-CN" dirty="0"/>
+              <a:t>4</a:t>
+            </a:r>
+            <a:r>
+              <a:rPr kumimoji="1" lang="zh-CN" altLang="en-US" dirty="0"/>
+              <a:t>字节存储偏移量</a:t>
+            </a:r>
+          </a:p>
+        </p:txBody>
+      </p:sp>
+      <p:sp>
+        <p:nvSpPr>
+          <p:cNvPr id="3" name="内容占位符 2">
+            <a:extLst>
+              <a:ext uri="{FF2B5EF4-FFF2-40B4-BE49-F238E27FC236}">
+                <a16:creationId xmlns:a16="http://schemas.microsoft.com/office/drawing/2014/main" id="{77D6D175-2F0F-6047-B53E-42C1AC37CAFC}"/>
+              </a:ext>
+            </a:extLst>
+          </p:cNvPr>
+          <p:cNvSpPr>
+            <a:spLocks noGrp="1"/>
+          </p:cNvSpPr>
+          <p:nvPr>
+            <p:ph idx="1"/>
+          </p:nvPr>
+        </p:nvSpPr>
+        <p:spPr/>
+        <p:txBody>
+          <a:bodyPr/>
+          <a:lstStyle/>
+          <a:p>
+            <a:r>
+              <a:rPr lang="zh-CN" altLang="en-US" dirty="0"/>
+              <a:t>减小最小块大小，在请求空间大小频繁出现小于等于最小块有效载荷时有明显效果</a:t>
+            </a:r>
+            <a:endParaRPr lang="en-US" altLang="zh-CN" dirty="0"/>
+          </a:p>
+          <a:p>
+            <a:r>
+              <a:rPr lang="en-US" altLang="zh-CN" dirty="0">
+                <a:latin typeface="Consolas" panose="020B0609020204030204" pitchFamily="49" charset="0"/>
+                <a:cs typeface="Consolas" panose="020B0609020204030204" pitchFamily="49" charset="0"/>
+              </a:rPr>
+              <a:t>NULL</a:t>
+            </a:r>
+            <a:r>
+              <a:rPr lang="en-US" altLang="zh-CN" dirty="0"/>
+              <a:t> </a:t>
+            </a:r>
+            <a:r>
+              <a:rPr lang="zh-CN" altLang="en-US" dirty="0"/>
+              <a:t>特殊处理</a:t>
+            </a:r>
+            <a:endParaRPr lang="en-US" altLang="zh-CN" dirty="0"/>
+          </a:p>
+          <a:p>
+            <a:endParaRPr kumimoji="1" lang="zh-CN" altLang="en-US" dirty="0"/>
+          </a:p>
+        </p:txBody>
+      </p:sp>
+      <p:pic>
+        <p:nvPicPr>
+          <p:cNvPr id="4" name="图片 3">
+            <a:extLst>
+              <a:ext uri="{FF2B5EF4-FFF2-40B4-BE49-F238E27FC236}">
+                <a16:creationId xmlns:a16="http://schemas.microsoft.com/office/drawing/2014/main" id="{F08841D2-DB04-0549-AD4A-451ABABE88A2}"/>
+              </a:ext>
+            </a:extLst>
+          </p:cNvPr>
+          <p:cNvPicPr>
+            <a:picLocks noChangeAspect="1"/>
+          </p:cNvPicPr>
+          <p:nvPr/>
+        </p:nvPicPr>
+        <p:blipFill>
+          <a:blip r:embed="rId2">
+            <a:extLst>
+              <a:ext uri="{28A0092B-C50C-407E-A947-70E740481C1C}">
+                <a14:useLocalDpi xmlns:a14="http://schemas.microsoft.com/office/drawing/2010/main" val="0"/>
+              </a:ext>
+            </a:extLst>
+          </a:blip>
+          <a:stretch>
+            <a:fillRect/>
+          </a:stretch>
+        </p:blipFill>
+        <p:spPr>
+          <a:xfrm>
+            <a:off x="838200" y="3429000"/>
+            <a:ext cx="10458941" cy="1504656"/>
+          </a:xfrm>
+          <a:prstGeom prst="rect">
+            <a:avLst/>
+          </a:prstGeom>
+        </p:spPr>
+      </p:pic>
+    </p:spTree>
+    <p:extLst>
+      <p:ext uri="{BB962C8B-B14F-4D97-AF65-F5344CB8AC3E}">
+        <p14:creationId xmlns:p14="http://schemas.microsoft.com/office/powerpoint/2010/main" val="3345223958"/>
+      </p:ext>
+    </p:extLst>
+  </p:cSld>
+  <p:clrMapOvr>
+    <a:masterClrMapping/>
+  </p:clrMapOvr>
+</p:sld>
+</file>
+
+<file path=ppt/slides/slide14.xml><?xml version="1.0" encoding="utf-8"?>
+<p:sld xmlns:a="http://schemas.openxmlformats.org/drawingml/2006/main" xmlns:r="http://schemas.openxmlformats.org/officeDocument/2006/relationships" xmlns:p="http://schemas.openxmlformats.org/presentationml/2006/main">
+  <p:cSld>
+    <p:spTree>
+      <p:nvGrpSpPr>
+        <p:cNvPr id="1" name=""/>
+        <p:cNvGrpSpPr/>
+        <p:nvPr/>
+      </p:nvGrpSpPr>
+      <p:grpSpPr>
+        <a:xfrm>
+          <a:off x="0" y="0"/>
+          <a:ext cx="0" cy="0"/>
+          <a:chOff x="0" y="0"/>
+          <a:chExt cx="0" cy="0"/>
+        </a:xfrm>
+      </p:grpSpPr>
+      <p:sp>
+        <p:nvSpPr>
+          <p:cNvPr id="2" name="标题 1">
+            <a:extLst>
+              <a:ext uri="{FF2B5EF4-FFF2-40B4-BE49-F238E27FC236}">
+                <a16:creationId xmlns:a16="http://schemas.microsoft.com/office/drawing/2014/main" id="{F767142F-E8F0-C343-A459-076E049CD904}"/>
+              </a:ext>
+            </a:extLst>
+          </p:cNvPr>
+          <p:cNvSpPr>
+            <a:spLocks noGrp="1"/>
+          </p:cNvSpPr>
+          <p:nvPr>
+            <p:ph type="title"/>
+          </p:nvPr>
+        </p:nvSpPr>
+        <p:spPr/>
+        <p:txBody>
+          <a:bodyPr/>
+          <a:lstStyle/>
+          <a:p>
+            <a:r>
+              <a:rPr kumimoji="1" lang="en-US" altLang="zh-CN" dirty="0"/>
+              <a:t>Split Trick</a:t>
+            </a:r>
+            <a:endParaRPr kumimoji="1" lang="zh-CN" altLang="en-US" dirty="0"/>
+          </a:p>
+        </p:txBody>
+      </p:sp>
+      <p:sp>
+        <p:nvSpPr>
+          <p:cNvPr id="3" name="内容占位符 2">
+            <a:extLst>
+              <a:ext uri="{FF2B5EF4-FFF2-40B4-BE49-F238E27FC236}">
+                <a16:creationId xmlns:a16="http://schemas.microsoft.com/office/drawing/2014/main" id="{37584A1A-E33E-564B-9F38-53480783A8A2}"/>
+              </a:ext>
+            </a:extLst>
+          </p:cNvPr>
+          <p:cNvSpPr>
+            <a:spLocks noGrp="1"/>
+          </p:cNvSpPr>
+          <p:nvPr>
+            <p:ph idx="1"/>
+          </p:nvPr>
+        </p:nvSpPr>
+        <p:spPr/>
+        <p:txBody>
+          <a:bodyPr/>
+          <a:lstStyle/>
+          <a:p>
+            <a:r>
+              <a:rPr lang="en-US" altLang="zh-CN" sz="2800" dirty="0">
+                <a:latin typeface="+mn-ea"/>
+                <a:ea typeface="+mn-ea"/>
+              </a:rPr>
+              <a:t>Split </a:t>
+            </a:r>
+            <a:r>
+              <a:rPr lang="zh-CN" altLang="en-US" sz="2800" dirty="0">
+                <a:latin typeface="+mn-ea"/>
+                <a:ea typeface="+mn-ea"/>
+              </a:rPr>
+              <a:t>时根据大小选择放在所选定空闲块前一半还是后一半</a:t>
+            </a:r>
+            <a:endParaRPr kumimoji="1" lang="zh-CN" altLang="en-US" dirty="0"/>
+          </a:p>
+        </p:txBody>
+      </p:sp>
+      <p:pic>
+        <p:nvPicPr>
+          <p:cNvPr id="4" name="图片 3">
+            <a:extLst>
+              <a:ext uri="{FF2B5EF4-FFF2-40B4-BE49-F238E27FC236}">
+                <a16:creationId xmlns:a16="http://schemas.microsoft.com/office/drawing/2014/main" id="{B2902CC1-38FB-104E-9609-F9C2D2B67529}"/>
+              </a:ext>
+            </a:extLst>
+          </p:cNvPr>
+          <p:cNvPicPr>
+            <a:picLocks noChangeAspect="1"/>
+          </p:cNvPicPr>
+          <p:nvPr/>
+        </p:nvPicPr>
+        <p:blipFill>
+          <a:blip r:embed="rId2"/>
+          <a:stretch>
+            <a:fillRect/>
+          </a:stretch>
+        </p:blipFill>
+        <p:spPr>
+          <a:xfrm>
+            <a:off x="717276" y="2697617"/>
+            <a:ext cx="4977806" cy="2788783"/>
+          </a:xfrm>
+          <a:prstGeom prst="rect">
+            <a:avLst/>
+          </a:prstGeom>
+        </p:spPr>
+      </p:pic>
+      <p:pic>
+        <p:nvPicPr>
+          <p:cNvPr id="5" name="图片 4">
+            <a:extLst>
+              <a:ext uri="{FF2B5EF4-FFF2-40B4-BE49-F238E27FC236}">
+                <a16:creationId xmlns:a16="http://schemas.microsoft.com/office/drawing/2014/main" id="{24AA6586-73DE-904E-B702-9F6B52A98D2C}"/>
+              </a:ext>
+            </a:extLst>
+          </p:cNvPr>
+          <p:cNvPicPr>
+            <a:picLocks noChangeAspect="1"/>
+          </p:cNvPicPr>
+          <p:nvPr/>
+        </p:nvPicPr>
+        <p:blipFill>
+          <a:blip r:embed="rId3"/>
+          <a:stretch>
+            <a:fillRect/>
+          </a:stretch>
+        </p:blipFill>
+        <p:spPr>
+          <a:xfrm>
+            <a:off x="5985817" y="2432554"/>
+            <a:ext cx="5805285" cy="3662737"/>
+          </a:xfrm>
+          <a:prstGeom prst="rect">
+            <a:avLst/>
+          </a:prstGeom>
+        </p:spPr>
+      </p:pic>
+    </p:spTree>
+    <p:extLst>
+      <p:ext uri="{BB962C8B-B14F-4D97-AF65-F5344CB8AC3E}">
+        <p14:creationId xmlns:p14="http://schemas.microsoft.com/office/powerpoint/2010/main" val="2418673464"/>
+      </p:ext>
+    </p:extLst>
+  </p:cSld>
+  <p:clrMapOvr>
+    <a:masterClrMapping/>
+  </p:clrMapOvr>
+</p:sld>
+</file>
+
+<file path=ppt/slides/slide15.xml><?xml version="1.0" encoding="utf-8"?>
+<p:sld xmlns:a="http://schemas.openxmlformats.org/drawingml/2006/main" xmlns:r="http://schemas.openxmlformats.org/officeDocument/2006/relationships" xmlns:p="http://schemas.openxmlformats.org/presentationml/2006/main">
+  <p:cSld>
+    <p:spTree>
+      <p:nvGrpSpPr>
+        <p:cNvPr id="1" name=""/>
+        <p:cNvGrpSpPr/>
+        <p:nvPr/>
+      </p:nvGrpSpPr>
+      <p:grpSpPr>
+        <a:xfrm>
+          <a:off x="0" y="0"/>
+          <a:ext cx="0" cy="0"/>
+          <a:chOff x="0" y="0"/>
+          <a:chExt cx="0" cy="0"/>
+        </a:xfrm>
+      </p:grpSpPr>
+      <p:sp>
+        <p:nvSpPr>
+          <p:cNvPr id="2" name="标题 1">
+            <a:extLst>
+              <a:ext uri="{FF2B5EF4-FFF2-40B4-BE49-F238E27FC236}">
+                <a16:creationId xmlns:a16="http://schemas.microsoft.com/office/drawing/2014/main" id="{29CB0A4F-8937-DD41-8A26-D531EAA67E0B}"/>
+              </a:ext>
+            </a:extLst>
+          </p:cNvPr>
+          <p:cNvSpPr>
+            <a:spLocks noGrp="1"/>
+          </p:cNvSpPr>
+          <p:nvPr>
+            <p:ph type="title"/>
+          </p:nvPr>
+        </p:nvSpPr>
+        <p:spPr/>
+        <p:txBody>
+          <a:bodyPr/>
+          <a:lstStyle/>
+          <a:p>
+            <a:r>
+              <a:rPr kumimoji="1" lang="en-US" altLang="zh-CN" dirty="0"/>
+              <a:t>Others</a:t>
+            </a:r>
+            <a:endParaRPr kumimoji="1" lang="zh-CN" altLang="en-US" dirty="0"/>
+          </a:p>
+        </p:txBody>
+      </p:sp>
+      <p:sp>
+        <p:nvSpPr>
+          <p:cNvPr id="3" name="内容占位符 2">
+            <a:extLst>
+              <a:ext uri="{FF2B5EF4-FFF2-40B4-BE49-F238E27FC236}">
+                <a16:creationId xmlns:a16="http://schemas.microsoft.com/office/drawing/2014/main" id="{57BEB010-4E71-1D46-A0CC-9A3F75FD9660}"/>
+              </a:ext>
+            </a:extLst>
+          </p:cNvPr>
+          <p:cNvSpPr>
+            <a:spLocks noGrp="1"/>
+          </p:cNvSpPr>
+          <p:nvPr>
+            <p:ph idx="1"/>
+          </p:nvPr>
+        </p:nvSpPr>
+        <p:spPr/>
+        <p:txBody>
+          <a:bodyPr/>
+          <a:lstStyle/>
+          <a:p>
+            <a:r>
+              <a:rPr kumimoji="1" lang="zh-CN" altLang="en-US" dirty="0"/>
+              <a:t>优化 </a:t>
+            </a:r>
+            <a:r>
+              <a:rPr kumimoji="1" lang="en-US" altLang="zh-CN" dirty="0" err="1">
+                <a:latin typeface="Consolas" panose="020B0609020204030204" pitchFamily="49" charset="0"/>
+                <a:cs typeface="Consolas" panose="020B0609020204030204" pitchFamily="49" charset="0"/>
+              </a:rPr>
+              <a:t>realloc</a:t>
+            </a:r>
+            <a:endParaRPr kumimoji="1" lang="en-US" altLang="zh-CN" dirty="0">
+              <a:latin typeface="Consolas" panose="020B0609020204030204" pitchFamily="49" charset="0"/>
+              <a:cs typeface="Consolas" panose="020B0609020204030204" pitchFamily="49" charset="0"/>
+            </a:endParaRPr>
+          </a:p>
+          <a:p>
+            <a:r>
+              <a:rPr kumimoji="1" lang="zh-CN" altLang="en-US" dirty="0">
+                <a:latin typeface="Consolas" panose="020B0609020204030204" pitchFamily="49" charset="0"/>
+                <a:cs typeface="Consolas" panose="020B0609020204030204" pitchFamily="49" charset="0"/>
+              </a:rPr>
+              <a:t>红黑树</a:t>
+            </a:r>
+            <a:endParaRPr kumimoji="1" lang="en-US" altLang="zh-CN" dirty="0">
+              <a:latin typeface="Consolas" panose="020B0609020204030204" pitchFamily="49" charset="0"/>
+              <a:cs typeface="Consolas" panose="020B0609020204030204" pitchFamily="49" charset="0"/>
+            </a:endParaRPr>
+          </a:p>
+          <a:p>
+            <a:endParaRPr kumimoji="1" lang="en-US" altLang="zh-CN" dirty="0">
+              <a:latin typeface="Consolas" panose="020B0609020204030204" pitchFamily="49" charset="0"/>
+              <a:cs typeface="Consolas" panose="020B0609020204030204" pitchFamily="49" charset="0"/>
+            </a:endParaRPr>
+          </a:p>
+          <a:p>
+            <a:pPr marL="0" indent="0">
+              <a:buNone/>
+            </a:pPr>
+            <a:r>
+              <a:rPr kumimoji="1" lang="en-US" altLang="zh-CN" dirty="0">
+                <a:latin typeface="Consolas" panose="020B0609020204030204" pitchFamily="49" charset="0"/>
+                <a:cs typeface="Consolas" panose="020B0609020204030204" pitchFamily="49" charset="0"/>
+              </a:rPr>
+              <a:t>...</a:t>
+            </a:r>
+          </a:p>
+        </p:txBody>
+      </p:sp>
+    </p:spTree>
+    <p:extLst>
+      <p:ext uri="{BB962C8B-B14F-4D97-AF65-F5344CB8AC3E}">
+        <p14:creationId xmlns:p14="http://schemas.microsoft.com/office/powerpoint/2010/main" val="2569726224"/>
+      </p:ext>
+    </p:extLst>
+  </p:cSld>
+  <p:clrMapOvr>
+    <a:masterClrMapping/>
+  </p:clrMapOvr>
+</p:sld>
+</file>
+
+<file path=ppt/slides/slide16.xml><?xml version="1.0" encoding="utf-8"?>
+<p:sld xmlns:a="http://schemas.openxmlformats.org/drawingml/2006/main" xmlns:r="http://schemas.openxmlformats.org/officeDocument/2006/relationships" xmlns:p="http://schemas.openxmlformats.org/presentationml/2006/main">
+  <p:cSld>
+    <p:spTree>
+      <p:nvGrpSpPr>
+        <p:cNvPr id="1" name=""/>
+        <p:cNvGrpSpPr/>
+        <p:nvPr/>
+      </p:nvGrpSpPr>
+      <p:grpSpPr>
+        <a:xfrm>
+          <a:off x="0" y="0"/>
+          <a:ext cx="0" cy="0"/>
+          <a:chOff x="0" y="0"/>
+          <a:chExt cx="0" cy="0"/>
+        </a:xfrm>
+      </p:grpSpPr>
+      <p:sp>
+        <p:nvSpPr>
+          <p:cNvPr id="2" name="标题 1">
+            <a:extLst>
+              <a:ext uri="{FF2B5EF4-FFF2-40B4-BE49-F238E27FC236}">
                 <a16:creationId xmlns:a16="http://schemas.microsoft.com/office/drawing/2014/main" id="{329D48C0-00A7-B041-B67F-30E9199F95CA}"/>
               </a:ext>
             </a:extLst>
@@ -4284,7 +4898,9 @@
         </p:nvSpPr>
         <p:spPr/>
         <p:txBody>
-          <a:bodyPr/>
+          <a:bodyPr>
+            <a:normAutofit lnSpcReduction="10000"/>
+          </a:bodyPr>
           <a:lstStyle/>
           <a:p>
             <a:r>
@@ -4297,6 +4913,13 @@
             <a:r>
               <a:rPr kumimoji="1" lang="zh-CN" altLang="en-US" dirty="0"/>
               <a:t>显式空闲链表</a:t>
+            </a:r>
+            <a:endParaRPr kumimoji="1" lang="en-US" altLang="zh-CN" dirty="0"/>
+          </a:p>
+          <a:p>
+            <a:r>
+              <a:rPr kumimoji="1" lang="zh-CN" altLang="en-US" dirty="0"/>
+              <a:t>分离链表</a:t>
             </a:r>
             <a:endParaRPr kumimoji="1" lang="en-US" altLang="zh-CN" dirty="0"/>
           </a:p>
@@ -4516,7 +5139,7 @@
         </p:nvSpPr>
         <p:spPr>
           <a:xfrm>
-            <a:off x="693683" y="6127531"/>
+            <a:off x="684924" y="6123543"/>
             <a:ext cx="6737131" cy="369332"/>
           </a:xfrm>
           <a:prstGeom prst="rect">
@@ -4532,17 +5155,7 @@
           <a:p>
             <a:r>
               <a:rPr kumimoji="1" lang="en-US" altLang="zh-CN" dirty="0"/>
-              <a:t>Borrowed from </a:t>
-            </a:r>
-            <a:r>
-              <a:rPr kumimoji="1" lang="en-US" altLang="zh-CN" dirty="0">
-                <a:hlinkClick r:id="rId4"/>
-              </a:rPr>
-              <a:t>https://zhuanlan.zhihu.com/p/150100073</a:t>
-            </a:r>
-            <a:r>
-              <a:rPr kumimoji="1" lang="en-US" altLang="zh-CN" dirty="0"/>
-              <a:t>. </a:t>
+              <a:t>Borrowed from Slides. </a:t>
             </a:r>
             <a:endParaRPr kumimoji="1" lang="zh-CN" altLang="en-US" dirty="0"/>
           </a:p>
@@ -4722,17 +5335,7 @@
           <a:p>
             <a:r>
               <a:rPr kumimoji="1" lang="en-US" altLang="zh-CN" dirty="0"/>
-              <a:t>Borrowed from </a:t>
-            </a:r>
-            <a:r>
-              <a:rPr kumimoji="1" lang="en-US" altLang="zh-CN" dirty="0">
-                <a:hlinkClick r:id="rId5"/>
-              </a:rPr>
-              <a:t>https://zhuanlan.zhihu.com/p/150100073</a:t>
-            </a:r>
-            <a:r>
-              <a:rPr kumimoji="1" lang="en-US" altLang="zh-CN" dirty="0"/>
-              <a:t>. </a:t>
+              <a:t>Borrowed from Slides. </a:t>
             </a:r>
             <a:endParaRPr kumimoji="1" lang="zh-CN" altLang="en-US" dirty="0"/>
           </a:p>
@@ -4836,7 +5439,7 @@
         <p:spPr>
           <a:xfrm>
             <a:off x="693683" y="6127531"/>
-            <a:ext cx="6737131" cy="646331"/>
+            <a:ext cx="6737131" cy="369332"/>
           </a:xfrm>
           <a:prstGeom prst="rect">
             <a:avLst/>
@@ -4857,16 +5460,6 @@
               <a:rPr kumimoji="1" lang="en-US" altLang="zh-CN" dirty="0">
                 <a:hlinkClick r:id="rId3"/>
               </a:rPr>
-              <a:t>https://zhuanlan.zhihu.com/p/150100073</a:t>
-            </a:r>
-            <a:r>
-              <a:rPr kumimoji="1" lang="en-US" altLang="zh-CN" dirty="0"/>
-              <a:t>, </a:t>
-            </a:r>
-            <a:r>
-              <a:rPr kumimoji="1" lang="en-US" altLang="zh-CN" dirty="0">
-                <a:hlinkClick r:id="rId4"/>
-              </a:rPr>
               <a:t>https://zhuanlan.zhihu.com/p/496366818</a:t>
             </a:r>
             <a:r>
@@ -4892,7 +5485,7 @@
           <p:nvPr/>
         </p:nvPicPr>
         <p:blipFill>
-          <a:blip r:embed="rId5"/>
+          <a:blip r:embed="rId4"/>
           <a:stretch>
             <a:fillRect/>
           </a:stretch>

--- a/malloclab/final.pptx
+++ b/malloclab/final.pptx
@@ -212,7 +212,7 @@
           <a:p>
             <a:fld id="{D8C3B5E3-7653-B94D-92F1-CCA5AA098FF6}" type="datetimeFigureOut">
               <a:rPr kumimoji="1" lang="zh-CN" altLang="en-US" smtClean="0"/>
-              <a:t>2022/12/4</a:t>
+              <a:t>2022/12/7</a:t>
             </a:fld>
             <a:endParaRPr kumimoji="1" lang="zh-CN" altLang="en-US"/>
           </a:p>
@@ -626,7 +626,7 @@
           <a:p>
             <a:fld id="{A7BA1274-CC5D-344D-99BD-56E71F44F7E8}" type="datetime1">
               <a:rPr kumimoji="1" lang="zh-CN" altLang="en-US" smtClean="0"/>
-              <a:t>2022/12/4</a:t>
+              <a:t>2022/12/7</a:t>
             </a:fld>
             <a:endParaRPr kumimoji="1" lang="zh-CN" altLang="en-US"/>
           </a:p>
@@ -828,7 +828,7 @@
           <a:p>
             <a:fld id="{93901C61-0BB2-AB4E-BEAB-DF494528EB0F}" type="datetime1">
               <a:rPr kumimoji="1" lang="zh-CN" altLang="en-US" smtClean="0"/>
-              <a:t>2022/12/4</a:t>
+              <a:t>2022/12/7</a:t>
             </a:fld>
             <a:endParaRPr kumimoji="1" lang="zh-CN" altLang="en-US"/>
           </a:p>
@@ -1040,7 +1040,7 @@
           <a:p>
             <a:fld id="{31D23A10-50DC-C647-95E8-D02AE80E6316}" type="datetime1">
               <a:rPr kumimoji="1" lang="zh-CN" altLang="en-US" smtClean="0"/>
-              <a:t>2022/12/4</a:t>
+              <a:t>2022/12/7</a:t>
             </a:fld>
             <a:endParaRPr kumimoji="1" lang="zh-CN" altLang="en-US"/>
           </a:p>
@@ -1242,7 +1242,7 @@
           <a:p>
             <a:fld id="{B3C85E0C-9B85-E44F-8528-05F3B9BB9B92}" type="datetime1">
               <a:rPr kumimoji="1" lang="zh-CN" altLang="en-US" smtClean="0"/>
-              <a:t>2022/12/4</a:t>
+              <a:t>2022/12/7</a:t>
             </a:fld>
             <a:endParaRPr kumimoji="1" lang="zh-CN" altLang="en-US"/>
           </a:p>
@@ -1521,7 +1521,7 @@
           <a:p>
             <a:fld id="{78611AED-B3B6-DA43-B9A7-B4A2D457794B}" type="datetime1">
               <a:rPr kumimoji="1" lang="zh-CN" altLang="en-US" smtClean="0"/>
-              <a:t>2022/12/4</a:t>
+              <a:t>2022/12/7</a:t>
             </a:fld>
             <a:endParaRPr kumimoji="1" lang="zh-CN" altLang="en-US"/>
           </a:p>
@@ -1790,7 +1790,7 @@
           <a:p>
             <a:fld id="{D3FE68E5-44A8-2542-AD75-A463F58C90F8}" type="datetime1">
               <a:rPr kumimoji="1" lang="zh-CN" altLang="en-US" smtClean="0"/>
-              <a:t>2022/12/4</a:t>
+              <a:t>2022/12/7</a:t>
             </a:fld>
             <a:endParaRPr kumimoji="1" lang="zh-CN" altLang="en-US"/>
           </a:p>
@@ -2206,7 +2206,7 @@
           <a:p>
             <a:fld id="{5822B427-22D3-5C4D-B625-F3E219AFB829}" type="datetime1">
               <a:rPr kumimoji="1" lang="zh-CN" altLang="en-US" smtClean="0"/>
-              <a:t>2022/12/4</a:t>
+              <a:t>2022/12/7</a:t>
             </a:fld>
             <a:endParaRPr kumimoji="1" lang="zh-CN" altLang="en-US"/>
           </a:p>
@@ -2351,7 +2351,7 @@
           <a:p>
             <a:fld id="{9605F384-F552-B742-81E9-4F16480B2EAD}" type="datetime1">
               <a:rPr kumimoji="1" lang="zh-CN" altLang="en-US" smtClean="0"/>
-              <a:t>2022/12/4</a:t>
+              <a:t>2022/12/7</a:t>
             </a:fld>
             <a:endParaRPr kumimoji="1" lang="zh-CN" altLang="en-US"/>
           </a:p>
@@ -2468,7 +2468,7 @@
           <a:p>
             <a:fld id="{77632C67-B841-EC4E-8AA1-83C4E07296C7}" type="datetime1">
               <a:rPr kumimoji="1" lang="zh-CN" altLang="en-US" smtClean="0"/>
-              <a:t>2022/12/4</a:t>
+              <a:t>2022/12/7</a:t>
             </a:fld>
             <a:endParaRPr kumimoji="1" lang="zh-CN" altLang="en-US"/>
           </a:p>
@@ -2783,7 +2783,7 @@
           <a:p>
             <a:fld id="{2F6BD989-1B0A-B145-AA3F-FB2378A3E9A6}" type="datetime1">
               <a:rPr kumimoji="1" lang="zh-CN" altLang="en-US" smtClean="0"/>
-              <a:t>2022/12/4</a:t>
+              <a:t>2022/12/7</a:t>
             </a:fld>
             <a:endParaRPr kumimoji="1" lang="zh-CN" altLang="en-US"/>
           </a:p>
@@ -3075,7 +3075,7 @@
           <a:p>
             <a:fld id="{0C9DA35D-3B2D-6D40-8E9C-94684A97FADE}" type="datetime1">
               <a:rPr kumimoji="1" lang="zh-CN" altLang="en-US" smtClean="0"/>
-              <a:t>2022/12/4</a:t>
+              <a:t>2022/12/7</a:t>
             </a:fld>
             <a:endParaRPr kumimoji="1" lang="zh-CN" altLang="en-US"/>
           </a:p>
@@ -3320,7 +3320,7 @@
           <a:p>
             <a:fld id="{4A28E167-BF50-3D4B-9A74-8A4D0D027E4C}" type="datetime1">
               <a:rPr kumimoji="1" lang="zh-CN" altLang="en-US" smtClean="0"/>
-              <a:t>2022/12/4</a:t>
+              <a:t>2022/12/7</a:t>
             </a:fld>
             <a:endParaRPr kumimoji="1" lang="zh-CN" altLang="en-US"/>
           </a:p>
@@ -4277,9 +4277,10 @@
               <a:t>4</a:t>
             </a:r>
             <a:r>
-              <a:rPr kumimoji="1" lang="zh-CN" altLang="en-US" dirty="0"/>
-              <a:t>字节存储偏移量</a:t>
-            </a:r>
+              <a:rPr kumimoji="1" lang="zh-CN" altLang="en-US"/>
+              <a:t>字节指针</a:t>
+            </a:r>
+            <a:endParaRPr kumimoji="1" lang="zh-CN" altLang="en-US" dirty="0"/>
           </a:p>
         </p:txBody>
       </p:sp>
@@ -5625,6 +5626,34 @@
                 <a:cs typeface="Consolas" panose="020B0609020204030204" pitchFamily="49" charset="0"/>
               </a:rPr>
               <a:t>find_fit</a:t>
+            </a:r>
+            <a:endParaRPr kumimoji="1" lang="en-US" altLang="zh-CN" dirty="0">
+              <a:latin typeface="Consolas" panose="020B0609020204030204" pitchFamily="49" charset="0"/>
+              <a:cs typeface="Consolas" panose="020B0609020204030204" pitchFamily="49" charset="0"/>
+            </a:endParaRPr>
+          </a:p>
+          <a:p>
+            <a:pPr lvl="1"/>
+            <a:r>
+              <a:rPr kumimoji="1" lang="en-US" altLang="zh-CN" dirty="0" err="1">
+                <a:latin typeface="Consolas" panose="020B0609020204030204" pitchFamily="49" charset="0"/>
+                <a:cs typeface="Consolas" panose="020B0609020204030204" pitchFamily="49" charset="0"/>
+              </a:rPr>
+              <a:t>insert_node</a:t>
+            </a:r>
+            <a:endParaRPr kumimoji="1" lang="en-US" altLang="zh-CN" dirty="0">
+              <a:latin typeface="Consolas" panose="020B0609020204030204" pitchFamily="49" charset="0"/>
+              <a:cs typeface="Consolas" panose="020B0609020204030204" pitchFamily="49" charset="0"/>
+            </a:endParaRPr>
+          </a:p>
+          <a:p>
+            <a:pPr lvl="1"/>
+            <a:r>
+              <a:rPr kumimoji="1" lang="en-US" altLang="zh-CN" dirty="0" err="1">
+                <a:latin typeface="Consolas" panose="020B0609020204030204" pitchFamily="49" charset="0"/>
+                <a:cs typeface="Consolas" panose="020B0609020204030204" pitchFamily="49" charset="0"/>
+              </a:rPr>
+              <a:t>delete_node</a:t>
             </a:r>
             <a:endParaRPr kumimoji="1" lang="en-US" altLang="zh-CN" dirty="0">
               <a:latin typeface="Consolas" panose="020B0609020204030204" pitchFamily="49" charset="0"/>
